--- a/Darkness of Space/MODELO_POSTER_XII_FESTIVAL_SOFTWARE_20192-amarelo.pptx
+++ b/Darkness of Space/MODELO_POSTER_XII_FESTIVAL_SOFTWARE_20192-amarelo.pptx
@@ -552,10 +552,10 @@
           </a:ln>
           <a:extLst>
             <a:ext uri="{FAA26D3D-D897-4be2-8F04-BA451C77F1D7}">
-              <ma14:placeholderFlag xmlns:ma14="http://schemas.microsoft.com/office/mac/drawingml/2011/main" xmlns="" val="1"/>
+              <ma14:placeholderFlag xmlns="" xmlns:ma14="http://schemas.microsoft.com/office/mac/drawingml/2011/main" val="1"/>
             </a:ext>
             <a:ext uri="{909E8E84-426E-40dd-AFC4-6F175D3DCCD1}">
-              <a14:hiddenFill xmlns:a14="http://schemas.microsoft.com/office/drawing/2010/main" xmlns="">
+              <a14:hiddenFill xmlns="" xmlns:a14="http://schemas.microsoft.com/office/drawing/2010/main">
                 <a:solidFill>
                   <a:srgbClr val="FFFFFF"/>
                 </a:solidFill>
@@ -903,14 +903,14 @@
           <a:ln/>
           <a:extLst>
             <a:ext uri="{909E8E84-426E-40dd-AFC4-6F175D3DCCD1}">
-              <a14:hiddenFill xmlns:a14="http://schemas.microsoft.com/office/drawing/2010/main" xmlns="">
+              <a14:hiddenFill xmlns="" xmlns:a14="http://schemas.microsoft.com/office/drawing/2010/main">
                 <a:solidFill>
                   <a:srgbClr val="FFFFFF"/>
                 </a:solidFill>
               </a14:hiddenFill>
             </a:ext>
             <a:ext uri="{91240B29-F687-4f45-9708-019B960494DF}">
-              <a14:hiddenLine xmlns:a14="http://schemas.microsoft.com/office/drawing/2010/main" xmlns="" w="9525">
+              <a14:hiddenLine xmlns="" xmlns:a14="http://schemas.microsoft.com/office/drawing/2010/main" w="9525">
                 <a:solidFill>
                   <a:srgbClr val="000000"/>
                 </a:solidFill>
@@ -1071,17 +1071,17 @@
           <a:ln/>
           <a:extLst>
             <a:ext uri="{FAA26D3D-D897-4be2-8F04-BA451C77F1D7}">
-              <ma14:placeholderFlag xmlns:ma14="http://schemas.microsoft.com/office/mac/drawingml/2011/main" xmlns="" val="1"/>
+              <ma14:placeholderFlag xmlns="" xmlns:ma14="http://schemas.microsoft.com/office/mac/drawingml/2011/main" val="1"/>
             </a:ext>
             <a:ext uri="{909E8E84-426E-40dd-AFC4-6F175D3DCCD1}">
-              <a14:hiddenFill xmlns:a14="http://schemas.microsoft.com/office/drawing/2010/main" xmlns="">
+              <a14:hiddenFill xmlns="" xmlns:a14="http://schemas.microsoft.com/office/drawing/2010/main">
                 <a:solidFill>
                   <a:srgbClr val="FFFFFF"/>
                 </a:solidFill>
               </a14:hiddenFill>
             </a:ext>
             <a:ext uri="{91240B29-F687-4f45-9708-019B960494DF}">
-              <a14:hiddenLine xmlns:a14="http://schemas.microsoft.com/office/drawing/2010/main" xmlns="" w="9525">
+              <a14:hiddenLine xmlns="" xmlns:a14="http://schemas.microsoft.com/office/drawing/2010/main" w="9525">
                 <a:solidFill>
                   <a:srgbClr val="000000"/>
                 </a:solidFill>
@@ -1102,6 +1102,11 @@
         </p:txBody>
       </p:sp>
     </p:spTree>
+    <p:extLst>
+      <p:ext uri="{BB962C8B-B14F-4D97-AF65-F5344CB8AC3E}">
+        <p14:creationId xmlns:p14="http://schemas.microsoft.com/office/powerpoint/2010/main" val="3367982828"/>
+      </p:ext>
+    </p:extLst>
   </p:cSld>
   <p:clrMapOvr>
     <a:masterClrMapping/>
@@ -3658,17 +3663,17 @@
           </a:ln>
           <a:extLst>
             <a:ext uri="{FAA26D3D-D897-4be2-8F04-BA451C77F1D7}">
-              <ma14:placeholderFlag xmlns:ma14="http://schemas.microsoft.com/office/mac/drawingml/2011/main" xmlns="" val="1"/>
+              <ma14:placeholderFlag xmlns="" xmlns:ma14="http://schemas.microsoft.com/office/mac/drawingml/2011/main" val="1"/>
             </a:ext>
             <a:ext uri="{909E8E84-426E-40dd-AFC4-6F175D3DCCD1}">
-              <a14:hiddenFill xmlns:a14="http://schemas.microsoft.com/office/drawing/2010/main" xmlns="">
+              <a14:hiddenFill xmlns="" xmlns:a14="http://schemas.microsoft.com/office/drawing/2010/main">
                 <a:solidFill>
                   <a:srgbClr val="FFFFFF"/>
                 </a:solidFill>
               </a14:hiddenFill>
             </a:ext>
             <a:ext uri="{91240B29-F687-4f45-9708-019B960494DF}">
-              <a14:hiddenLine xmlns:a14="http://schemas.microsoft.com/office/drawing/2010/main" xmlns="" w="9525">
+              <a14:hiddenLine xmlns="" xmlns:a14="http://schemas.microsoft.com/office/drawing/2010/main" w="9525">
                 <a:solidFill>
                   <a:srgbClr val="000000"/>
                 </a:solidFill>
@@ -3719,17 +3724,17 @@
           </a:ln>
           <a:extLst>
             <a:ext uri="{FAA26D3D-D897-4be2-8F04-BA451C77F1D7}">
-              <ma14:placeholderFlag xmlns:ma14="http://schemas.microsoft.com/office/mac/drawingml/2011/main" xmlns="" val="1"/>
+              <ma14:placeholderFlag xmlns="" xmlns:ma14="http://schemas.microsoft.com/office/mac/drawingml/2011/main" val="1"/>
             </a:ext>
             <a:ext uri="{909E8E84-426E-40dd-AFC4-6F175D3DCCD1}">
-              <a14:hiddenFill xmlns:a14="http://schemas.microsoft.com/office/drawing/2010/main" xmlns="">
+              <a14:hiddenFill xmlns="" xmlns:a14="http://schemas.microsoft.com/office/drawing/2010/main">
                 <a:solidFill>
                   <a:srgbClr val="FFFFFF"/>
                 </a:solidFill>
               </a14:hiddenFill>
             </a:ext>
             <a:ext uri="{91240B29-F687-4f45-9708-019B960494DF}">
-              <a14:hiddenLine xmlns:a14="http://schemas.microsoft.com/office/drawing/2010/main" xmlns="" w="9525">
+              <a14:hiddenLine xmlns="" xmlns:a14="http://schemas.microsoft.com/office/drawing/2010/main" w="9525">
                 <a:solidFill>
                   <a:srgbClr val="000000"/>
                 </a:solidFill>
@@ -3965,7 +3970,7 @@
           <p:cNvPr id="4" name="Picture 3">
             <a:extLst>
               <a:ext uri="{FF2B5EF4-FFF2-40B4-BE49-F238E27FC236}">
-                <a16:creationId xmlns:a16="http://schemas.microsoft.com/office/drawing/2014/main" id="{5777D516-B446-C046-8195-BDF64E1989C7}"/>
+                <a16:creationId xmlns:a16="http://schemas.microsoft.com/office/drawing/2014/main" xmlns="" id="{5777D516-B446-C046-8195-BDF64E1989C7}"/>
               </a:ext>
             </a:extLst>
           </p:cNvPr>
@@ -4444,14 +4449,14 @@
           </a:ln>
           <a:extLst>
             <a:ext uri="{909E8E84-426E-40dd-AFC4-6F175D3DCCD1}">
-              <a14:hiddenFill xmlns:a14="http://schemas.microsoft.com/office/drawing/2010/main" xmlns="">
+              <a14:hiddenFill xmlns="" xmlns:a14="http://schemas.microsoft.com/office/drawing/2010/main">
                 <a:solidFill>
                   <a:srgbClr val="FFFFFF"/>
                 </a:solidFill>
               </a14:hiddenFill>
             </a:ext>
             <a:ext uri="{91240B29-F687-4f45-9708-019B960494DF}">
-              <a14:hiddenLine xmlns:a14="http://schemas.microsoft.com/office/drawing/2010/main" xmlns="" w="9525">
+              <a14:hiddenLine xmlns="" xmlns:a14="http://schemas.microsoft.com/office/drawing/2010/main" w="9525">
                 <a:solidFill>
                   <a:srgbClr val="000000"/>
                 </a:solidFill>
@@ -4861,16 +4866,7 @@
                 </a:solidFill>
                 <a:latin typeface="Verdana" charset="0"/>
               </a:rPr>
-              <a:t>Oliveira</a:t>
-            </a:r>
-            <a:r>
-              <a:rPr lang="pt-BR" sz="3200" b="1" i="1" dirty="0" smtClean="0">
-                <a:solidFill>
-                  <a:srgbClr val="000000"/>
-                </a:solidFill>
-                <a:latin typeface="Verdana" charset="0"/>
-              </a:rPr>
-              <a:t>, Igor</a:t>
+              <a:t>Oliveira, Igor</a:t>
             </a:r>
           </a:p>
           <a:p>
@@ -4945,14 +4941,14 @@
           </a:ln>
           <a:extLst>
             <a:ext uri="{909E8E84-426E-40dd-AFC4-6F175D3DCCD1}">
-              <a14:hiddenFill xmlns:a14="http://schemas.microsoft.com/office/drawing/2010/main" xmlns="">
+              <a14:hiddenFill xmlns="" xmlns:a14="http://schemas.microsoft.com/office/drawing/2010/main">
                 <a:solidFill>
                   <a:srgbClr val="FFFFFF"/>
                 </a:solidFill>
               </a14:hiddenFill>
             </a:ext>
             <a:ext uri="{91240B29-F687-4f45-9708-019B960494DF}">
-              <a14:hiddenLine xmlns:a14="http://schemas.microsoft.com/office/drawing/2010/main" xmlns="" w="9525">
+              <a14:hiddenLine xmlns="" xmlns:a14="http://schemas.microsoft.com/office/drawing/2010/main" w="9525">
                 <a:solidFill>
                   <a:srgbClr val="000000"/>
                 </a:solidFill>
@@ -5163,14 +5159,14 @@
           </a:ln>
           <a:extLst>
             <a:ext uri="{909E8E84-426E-40dd-AFC4-6F175D3DCCD1}">
-              <a14:hiddenFill xmlns:a14="http://schemas.microsoft.com/office/drawing/2010/main" xmlns="">
+              <a14:hiddenFill xmlns="" xmlns:a14="http://schemas.microsoft.com/office/drawing/2010/main">
                 <a:solidFill>
                   <a:srgbClr val="FFFFFF"/>
                 </a:solidFill>
               </a14:hiddenFill>
             </a:ext>
             <a:ext uri="{91240B29-F687-4f45-9708-019B960494DF}">
-              <a14:hiddenLine xmlns:a14="http://schemas.microsoft.com/office/drawing/2010/main" xmlns="" w="9525">
+              <a14:hiddenLine xmlns="" xmlns:a14="http://schemas.microsoft.com/office/drawing/2010/main" w="9525">
                 <a:solidFill>
                   <a:srgbClr val="000000"/>
                 </a:solidFill>
@@ -5466,14 +5462,14 @@
           </a:ln>
           <a:extLst>
             <a:ext uri="{909E8E84-426E-40dd-AFC4-6F175D3DCCD1}">
-              <a14:hiddenFill xmlns:a14="http://schemas.microsoft.com/office/drawing/2010/main" xmlns="">
+              <a14:hiddenFill xmlns="" xmlns:a14="http://schemas.microsoft.com/office/drawing/2010/main">
                 <a:solidFill>
                   <a:srgbClr val="FFFFFF"/>
                 </a:solidFill>
               </a14:hiddenFill>
             </a:ext>
             <a:ext uri="{91240B29-F687-4f45-9708-019B960494DF}">
-              <a14:hiddenLine xmlns:a14="http://schemas.microsoft.com/office/drawing/2010/main" xmlns="" w="9525">
+              <a14:hiddenLine xmlns="" xmlns:a14="http://schemas.microsoft.com/office/drawing/2010/main" w="9525">
                 <a:solidFill>
                   <a:srgbClr val="000000"/>
                 </a:solidFill>
@@ -5769,14 +5765,14 @@
           </a:ln>
           <a:extLst>
             <a:ext uri="{909E8E84-426E-40dd-AFC4-6F175D3DCCD1}">
-              <a14:hiddenFill xmlns:a14="http://schemas.microsoft.com/office/drawing/2010/main" xmlns="">
+              <a14:hiddenFill xmlns="" xmlns:a14="http://schemas.microsoft.com/office/drawing/2010/main">
                 <a:solidFill>
                   <a:srgbClr val="FFFFFF"/>
                 </a:solidFill>
               </a14:hiddenFill>
             </a:ext>
             <a:ext uri="{91240B29-F687-4f45-9708-019B960494DF}">
-              <a14:hiddenLine xmlns:a14="http://schemas.microsoft.com/office/drawing/2010/main" xmlns="" w="9525">
+              <a14:hiddenLine xmlns="" xmlns:a14="http://schemas.microsoft.com/office/drawing/2010/main" w="9525">
                 <a:solidFill>
                   <a:srgbClr val="000000"/>
                 </a:solidFill>
@@ -5953,7 +5949,47 @@
                 <a:latin typeface="+mj-lt"/>
                 <a:cs typeface="Helvetica" charset="0"/>
               </a:rPr>
-              <a:t>O software possui 3 fases jogáveis, com marcadores de vida, total de dano, dano atual e um ícone para o menu. Cada fase possui um inimigo e ao derrotar, passará para a cena de pontuação com um botão que permite passar para a próxima fase. Nas fases, possui itens que darão ao jogador para causar dano ao inimigo, que varia entre um e três de dano. </a:t>
+              <a:t>O software possui 3 fases jogáveis, com marcadores de vida, total de dano, dano atual e um ícone para o menu. Cada fase possui um inimigo e ao derrotar, passará para a </a:t>
+            </a:r>
+            <a:r>
+              <a:rPr lang="pt-BR" sz="2800" dirty="0" smtClean="0">
+                <a:solidFill>
+                  <a:srgbClr val="000000"/>
+                </a:solidFill>
+                <a:latin typeface="+mj-lt"/>
+                <a:cs typeface="Helvetica" charset="0"/>
+              </a:rPr>
+              <a:t>tela de vitória com </a:t>
+            </a:r>
+            <a:r>
+              <a:rPr lang="pt-BR" sz="2800" dirty="0" smtClean="0">
+                <a:solidFill>
+                  <a:srgbClr val="000000"/>
+                </a:solidFill>
+                <a:latin typeface="+mj-lt"/>
+                <a:cs typeface="Helvetica" charset="0"/>
+              </a:rPr>
+              <a:t>um botão que permite passar para a próxima fase. Nas fases, possui itens que darão ao jogador para causar dano ao inimigo, que varia entre um e três de dano. </a:t>
+            </a:r>
+            <a:r>
+              <a:rPr lang="pt-BR" sz="2800" dirty="0" smtClean="0">
+                <a:solidFill>
+                  <a:srgbClr val="000000"/>
+                </a:solidFill>
+                <a:latin typeface="+mj-lt"/>
+                <a:cs typeface="Helvetica" charset="0"/>
+              </a:rPr>
+              <a:t>Na nave, possui duas funções: Movimentação e Atirar. Ambos funciona ao tocar na nave, a diferença será em apenas um toque, onde a nave ir</a:t>
+            </a:r>
+            <a:r>
+              <a:rPr lang="pt-BR" sz="2800" dirty="0" smtClean="0">
+                <a:solidFill>
+                  <a:srgbClr val="000000"/>
+                </a:solidFill>
+                <a:latin typeface="+mj-lt"/>
+                <a:cs typeface="Helvetica" charset="0"/>
+              </a:rPr>
+              <a:t>á atirar e o toque e arrastar o dedo que será para a movimentação. No topo da tela de cada fase, possui a vida do jogador, do inimigo e o ícone de pause. O ícone de vida verde representa a vida do jogador, o vermelho representa do inimigo. O ícone de pause irá pausar o jogo e mostrará ao usuário as opções como: “Retornar”, “Opções” e “Sair”. No “Retornar”, o jogo é retornado a partir onde foi pausado. Na “Opções” irá mostrar opções de diminuir ou aumentar o volume da música e efeitos do jogo. No “Sair”, a fase atual é encerrada e logo voltará para o menu principal.</a:t>
             </a:r>
             <a:endParaRPr lang="pt-BR" sz="2800" dirty="0">
               <a:solidFill>
@@ -5987,14 +6023,14 @@
           </a:ln>
           <a:extLst>
             <a:ext uri="{909E8E84-426E-40dd-AFC4-6F175D3DCCD1}">
-              <a14:hiddenFill xmlns:a14="http://schemas.microsoft.com/office/drawing/2010/main" xmlns="">
+              <a14:hiddenFill xmlns="" xmlns:a14="http://schemas.microsoft.com/office/drawing/2010/main">
                 <a:solidFill>
                   <a:srgbClr val="FFFFFF"/>
                 </a:solidFill>
               </a14:hiddenFill>
             </a:ext>
             <a:ext uri="{91240B29-F687-4f45-9708-019B960494DF}">
-              <a14:hiddenLine xmlns:a14="http://schemas.microsoft.com/office/drawing/2010/main" xmlns="" w="9525">
+              <a14:hiddenLine xmlns="" xmlns:a14="http://schemas.microsoft.com/office/drawing/2010/main" w="9525">
                 <a:solidFill>
                   <a:srgbClr val="000000"/>
                 </a:solidFill>
@@ -6290,14 +6326,14 @@
           </a:ln>
           <a:extLst>
             <a:ext uri="{909E8E84-426E-40dd-AFC4-6F175D3DCCD1}">
-              <a14:hiddenFill xmlns:a14="http://schemas.microsoft.com/office/drawing/2010/main" xmlns="">
+              <a14:hiddenFill xmlns="" xmlns:a14="http://schemas.microsoft.com/office/drawing/2010/main">
                 <a:solidFill>
                   <a:srgbClr val="FFFFFF"/>
                 </a:solidFill>
               </a14:hiddenFill>
             </a:ext>
             <a:ext uri="{91240B29-F687-4f45-9708-019B960494DF}">
-              <a14:hiddenLine xmlns:a14="http://schemas.microsoft.com/office/drawing/2010/main" xmlns="" w="9525">
+              <a14:hiddenLine xmlns="" xmlns:a14="http://schemas.microsoft.com/office/drawing/2010/main" w="9525">
                 <a:solidFill>
                   <a:srgbClr val="000000"/>
                 </a:solidFill>
@@ -6593,14 +6629,14 @@
           </a:ln>
           <a:extLst>
             <a:ext uri="{909E8E84-426E-40dd-AFC4-6F175D3DCCD1}">
-              <a14:hiddenFill xmlns:a14="http://schemas.microsoft.com/office/drawing/2010/main" xmlns="">
+              <a14:hiddenFill xmlns="" xmlns:a14="http://schemas.microsoft.com/office/drawing/2010/main">
                 <a:solidFill>
                   <a:srgbClr val="FFFFFF"/>
                 </a:solidFill>
               </a14:hiddenFill>
             </a:ext>
             <a:ext uri="{91240B29-F687-4f45-9708-019B960494DF}">
-              <a14:hiddenLine xmlns:a14="http://schemas.microsoft.com/office/drawing/2010/main" xmlns="" w="9525">
+              <a14:hiddenLine xmlns="" xmlns:a14="http://schemas.microsoft.com/office/drawing/2010/main" w="9525">
                 <a:solidFill>
                   <a:srgbClr val="000000"/>
                 </a:solidFill>
@@ -6896,14 +6932,14 @@
           </a:ln>
           <a:extLst>
             <a:ext uri="{909E8E84-426E-40dd-AFC4-6F175D3DCCD1}">
-              <a14:hiddenFill xmlns:a14="http://schemas.microsoft.com/office/drawing/2010/main" xmlns="">
+              <a14:hiddenFill xmlns="" xmlns:a14="http://schemas.microsoft.com/office/drawing/2010/main">
                 <a:solidFill>
                   <a:srgbClr val="FFFFFF"/>
                 </a:solidFill>
               </a14:hiddenFill>
             </a:ext>
             <a:ext uri="{91240B29-F687-4f45-9708-019B960494DF}">
-              <a14:hiddenLine xmlns:a14="http://schemas.microsoft.com/office/drawing/2010/main" xmlns="" w="9525">
+              <a14:hiddenLine xmlns="" xmlns:a14="http://schemas.microsoft.com/office/drawing/2010/main" w="9525">
                 <a:solidFill>
                   <a:srgbClr val="000000"/>
                 </a:solidFill>
@@ -7270,14 +7306,14 @@
           </a:ln>
           <a:extLst>
             <a:ext uri="{909E8E84-426E-40dd-AFC4-6F175D3DCCD1}">
-              <a14:hiddenFill xmlns:a14="http://schemas.microsoft.com/office/drawing/2010/main" xmlns="">
+              <a14:hiddenFill xmlns="" xmlns:a14="http://schemas.microsoft.com/office/drawing/2010/main">
                 <a:solidFill>
                   <a:srgbClr val="FFFFFF"/>
                 </a:solidFill>
               </a14:hiddenFill>
             </a:ext>
             <a:ext uri="{91240B29-F687-4f45-9708-019B960494DF}">
-              <a14:hiddenLine xmlns:a14="http://schemas.microsoft.com/office/drawing/2010/main" xmlns="" w="9525">
+              <a14:hiddenLine xmlns="" xmlns:a14="http://schemas.microsoft.com/office/drawing/2010/main" w="9525">
                 <a:solidFill>
                   <a:srgbClr val="000000"/>
                 </a:solidFill>
@@ -7453,50 +7489,6 @@
               <a:latin typeface="Helvetica" charset="0"/>
               <a:cs typeface="Helvetica" charset="0"/>
             </a:endParaRPr>
-          </a:p>
-        </p:txBody>
-      </p:sp>
-      <p:sp>
-        <p:nvSpPr>
-          <p:cNvPr id="15374" name="Rectangle 3"/>
-          <p:cNvSpPr>
-            <a:spLocks noChangeArrowheads="1"/>
-          </p:cNvSpPr>
-          <p:nvPr/>
-        </p:nvSpPr>
-        <p:spPr bwMode="auto">
-          <a:xfrm>
-            <a:off x="522363" y="449263"/>
-            <a:ext cx="29092525" cy="6625407"/>
-          </a:xfrm>
-          <a:prstGeom prst="rect">
-            <a:avLst/>
-          </a:prstGeom>
-          <a:solidFill>
-            <a:schemeClr val="accent1"/>
-          </a:solidFill>
-          <a:ln w="9525">
-            <a:solidFill>
-              <a:schemeClr val="tx1"/>
-            </a:solidFill>
-            <a:round/>
-            <a:headEnd/>
-            <a:tailEnd/>
-          </a:ln>
-        </p:spPr>
-        <p:txBody>
-          <a:bodyPr/>
-          <a:lstStyle/>
-          <a:p>
-            <a:pPr defTabSz="4176713"/>
-            <a:r>
-              <a:rPr lang="en-US" dirty="0" err="1"/>
-              <a:t>Substituir</a:t>
-            </a:r>
-            <a:r>
-              <a:rPr lang="en-US" dirty="0"/>
-              <a:t> pela LOGO/BANNER do SOFTWARE</a:t>
-            </a:r>
           </a:p>
         </p:txBody>
       </p:sp>
@@ -7522,14 +7514,14 @@
           </a:ln>
           <a:extLst>
             <a:ext uri="{909E8E84-426E-40dd-AFC4-6F175D3DCCD1}">
-              <a14:hiddenFill xmlns:a14="http://schemas.microsoft.com/office/drawing/2010/main" xmlns="">
+              <a14:hiddenFill xmlns="" xmlns:a14="http://schemas.microsoft.com/office/drawing/2010/main">
                 <a:solidFill>
                   <a:srgbClr val="FFFFFF"/>
                 </a:solidFill>
               </a14:hiddenFill>
             </a:ext>
             <a:ext uri="{91240B29-F687-4f45-9708-019B960494DF}">
-              <a14:hiddenLine xmlns:a14="http://schemas.microsoft.com/office/drawing/2010/main" xmlns="" w="9525">
+              <a14:hiddenLine xmlns="" xmlns:a14="http://schemas.microsoft.com/office/drawing/2010/main" w="9525">
                 <a:solidFill>
                   <a:srgbClr val="000000"/>
                 </a:solidFill>
@@ -7731,13 +7723,6 @@
               </a:rPr>
               <a:t>Para o desenvolvimento foi utilizado o Corona SDK[1] que é uma ferramenta para criação rápida de jogos. A documentação oficial[2] foi a base para o desenvolvimento das principais funcionalidades: Utilização de gestos, geração aleatória de objetos e transições de cenas. Foram utilizados recursos[3] de som, imagem e fonte[4] obtidos de forma gratuita na internet.</a:t>
             </a:r>
-            <a:endParaRPr lang="pt-BR" sz="2800" dirty="0" smtClean="0">
-              <a:solidFill>
-                <a:srgbClr val="000000"/>
-              </a:solidFill>
-              <a:latin typeface="+mj-lt"/>
-              <a:cs typeface="Helvetica" charset="0"/>
-            </a:endParaRPr>
           </a:p>
         </p:txBody>
       </p:sp>
@@ -7985,6 +7970,36 @@
           </a:p>
         </p:txBody>
       </p:sp>
+      <p:pic>
+        <p:nvPicPr>
+          <p:cNvPr id="12" name="Imagem 11"/>
+          <p:cNvPicPr>
+            <a:picLocks noChangeAspect="1"/>
+          </p:cNvPicPr>
+          <p:nvPr/>
+        </p:nvPicPr>
+        <p:blipFill>
+          <a:blip r:embed="rId11">
+            <a:extLst>
+              <a:ext uri="{28A0092B-C50C-407E-A947-70E740481C1C}">
+                <a14:useLocalDpi xmlns:a14="http://schemas.microsoft.com/office/drawing/2010/main" val="0"/>
+              </a:ext>
+            </a:extLst>
+          </a:blip>
+          <a:stretch>
+            <a:fillRect/>
+          </a:stretch>
+        </p:blipFill>
+        <p:spPr>
+          <a:xfrm>
+            <a:off x="668090" y="300994"/>
+            <a:ext cx="28788568" cy="6630325"/>
+          </a:xfrm>
+          <a:prstGeom prst="rect">
+            <a:avLst/>
+          </a:prstGeom>
+        </p:spPr>
+      </p:pic>
     </p:spTree>
     <p:extLst>
       <p:ext uri="{BB962C8B-B14F-4D97-AF65-F5344CB8AC3E}">
